--- a/GFF_gene_parser_tutorial.pptx
+++ b/GFF_gene_parser_tutorial.pptx
@@ -104,6 +104,11 @@
       </a:defRPr>
     </a:lvl9pPr>
   </p:defaultTextStyle>
+  <p:extLst>
+    <p:ext uri="{EFAFB233-063F-42B5-8137-9DF3F51BA10A}">
+      <p15:sldGuideLst xmlns:p15="http://schemas.microsoft.com/office/powerpoint/2012/main"/>
+    </p:ext>
+  </p:extLst>
 </p:presentation>
 </file>
 
@@ -238,7 +243,7 @@
           <a:p>
             <a:fld id="{07F44804-AD88-45FC-A3B3-AC5414CB2850}" type="datetimeFigureOut">
               <a:rPr lang="en-US" smtClean="0"/>
-              <a:t>7/6/2022</a:t>
+              <a:t>7/12/2022</a:t>
             </a:fld>
             <a:endParaRPr lang="en-US"/>
           </a:p>
@@ -408,7 +413,7 @@
           <a:p>
             <a:fld id="{07F44804-AD88-45FC-A3B3-AC5414CB2850}" type="datetimeFigureOut">
               <a:rPr lang="en-US" smtClean="0"/>
-              <a:t>7/6/2022</a:t>
+              <a:t>7/12/2022</a:t>
             </a:fld>
             <a:endParaRPr lang="en-US"/>
           </a:p>
@@ -588,7 +593,7 @@
           <a:p>
             <a:fld id="{07F44804-AD88-45FC-A3B3-AC5414CB2850}" type="datetimeFigureOut">
               <a:rPr lang="en-US" smtClean="0"/>
-              <a:t>7/6/2022</a:t>
+              <a:t>7/12/2022</a:t>
             </a:fld>
             <a:endParaRPr lang="en-US"/>
           </a:p>
@@ -758,7 +763,7 @@
           <a:p>
             <a:fld id="{07F44804-AD88-45FC-A3B3-AC5414CB2850}" type="datetimeFigureOut">
               <a:rPr lang="en-US" smtClean="0"/>
-              <a:t>7/6/2022</a:t>
+              <a:t>7/12/2022</a:t>
             </a:fld>
             <a:endParaRPr lang="en-US"/>
           </a:p>
@@ -1004,7 +1009,7 @@
           <a:p>
             <a:fld id="{07F44804-AD88-45FC-A3B3-AC5414CB2850}" type="datetimeFigureOut">
               <a:rPr lang="en-US" smtClean="0"/>
-              <a:t>7/6/2022</a:t>
+              <a:t>7/12/2022</a:t>
             </a:fld>
             <a:endParaRPr lang="en-US"/>
           </a:p>
@@ -1236,7 +1241,7 @@
           <a:p>
             <a:fld id="{07F44804-AD88-45FC-A3B3-AC5414CB2850}" type="datetimeFigureOut">
               <a:rPr lang="en-US" smtClean="0"/>
-              <a:t>7/6/2022</a:t>
+              <a:t>7/12/2022</a:t>
             </a:fld>
             <a:endParaRPr lang="en-US"/>
           </a:p>
@@ -1603,7 +1608,7 @@
           <a:p>
             <a:fld id="{07F44804-AD88-45FC-A3B3-AC5414CB2850}" type="datetimeFigureOut">
               <a:rPr lang="en-US" smtClean="0"/>
-              <a:t>7/6/2022</a:t>
+              <a:t>7/12/2022</a:t>
             </a:fld>
             <a:endParaRPr lang="en-US"/>
           </a:p>
@@ -1721,7 +1726,7 @@
           <a:p>
             <a:fld id="{07F44804-AD88-45FC-A3B3-AC5414CB2850}" type="datetimeFigureOut">
               <a:rPr lang="en-US" smtClean="0"/>
-              <a:t>7/6/2022</a:t>
+              <a:t>7/12/2022</a:t>
             </a:fld>
             <a:endParaRPr lang="en-US"/>
           </a:p>
@@ -1816,7 +1821,7 @@
           <a:p>
             <a:fld id="{07F44804-AD88-45FC-A3B3-AC5414CB2850}" type="datetimeFigureOut">
               <a:rPr lang="en-US" smtClean="0"/>
-              <a:t>7/6/2022</a:t>
+              <a:t>7/12/2022</a:t>
             </a:fld>
             <a:endParaRPr lang="en-US"/>
           </a:p>
@@ -2093,7 +2098,7 @@
           <a:p>
             <a:fld id="{07F44804-AD88-45FC-A3B3-AC5414CB2850}" type="datetimeFigureOut">
               <a:rPr lang="en-US" smtClean="0"/>
-              <a:t>7/6/2022</a:t>
+              <a:t>7/12/2022</a:t>
             </a:fld>
             <a:endParaRPr lang="en-US"/>
           </a:p>
@@ -2346,7 +2351,7 @@
           <a:p>
             <a:fld id="{07F44804-AD88-45FC-A3B3-AC5414CB2850}" type="datetimeFigureOut">
               <a:rPr lang="en-US" smtClean="0"/>
-              <a:t>7/6/2022</a:t>
+              <a:t>7/12/2022</a:t>
             </a:fld>
             <a:endParaRPr lang="en-US"/>
           </a:p>
@@ -2559,7 +2564,7 @@
           <a:p>
             <a:fld id="{07F44804-AD88-45FC-A3B3-AC5414CB2850}" type="datetimeFigureOut">
               <a:rPr lang="en-US" smtClean="0"/>
-              <a:t>7/6/2022</a:t>
+              <a:t>7/12/2022</a:t>
             </a:fld>
             <a:endParaRPr lang="en-US"/>
           </a:p>
@@ -3171,6 +3176,103 @@
           </a:p>
         </p:txBody>
       </p:sp>
+      <p:sp>
+        <p:nvSpPr>
+          <p:cNvPr id="2" name="Rectangle 1"/>
+          <p:cNvSpPr/>
+          <p:nvPr/>
+        </p:nvSpPr>
+        <p:spPr>
+          <a:xfrm>
+            <a:off x="503957" y="4351487"/>
+            <a:ext cx="10247317" cy="1754326"/>
+          </a:xfrm>
+          <a:prstGeom prst="rect">
+            <a:avLst/>
+          </a:prstGeom>
+        </p:spPr>
+        <p:txBody>
+          <a:bodyPr wrap="square">
+            <a:spAutoFit/>
+          </a:bodyPr>
+          <a:lstStyle/>
+          <a:p>
+            <a:r>
+              <a:rPr lang="en-US" dirty="0" smtClean="0"/>
+              <a:t>#If the ensemble database </a:t>
+            </a:r>
+            <a:r>
+              <a:rPr lang="en-US" smtClean="0"/>
+              <a:t>doesn’t work</a:t>
+            </a:r>
+          </a:p>
+          <a:p>
+            <a:r>
+              <a:rPr lang="en-US" dirty="0" smtClean="0"/>
+              <a:t>Brassica </a:t>
+            </a:r>
+            <a:r>
+              <a:rPr lang="en-US" dirty="0" err="1"/>
+              <a:t>rapa</a:t>
+            </a:r>
+            <a:r>
+              <a:rPr lang="en-US" dirty="0"/>
+              <a:t> ro18 </a:t>
+            </a:r>
+            <a:r>
+              <a:rPr lang="en-US" dirty="0" err="1"/>
+              <a:t>cds</a:t>
+            </a:r>
+            <a:r>
+              <a:rPr lang="en-US" dirty="0"/>
+              <a:t> file download;</a:t>
+            </a:r>
+          </a:p>
+          <a:p>
+            <a:r>
+              <a:rPr lang="en-US" dirty="0">
+                <a:hlinkClick r:id="rId3"/>
+              </a:rPr>
+              <a:t>https://drive.google.com/file/d/1j1cdjrUWbBbzvl6vZRVxKiSCOc49nrOs/view?usp=sharing</a:t>
+            </a:r>
+            <a:endParaRPr lang="en-US" dirty="0"/>
+          </a:p>
+          <a:p>
+            <a:endParaRPr lang="en-US" dirty="0"/>
+          </a:p>
+          <a:p>
+            <a:r>
+              <a:rPr lang="en-US" dirty="0"/>
+              <a:t>Brassica </a:t>
+            </a:r>
+            <a:r>
+              <a:rPr lang="en-US" dirty="0" err="1"/>
+              <a:t>rapa</a:t>
+            </a:r>
+            <a:r>
+              <a:rPr lang="en-US" dirty="0"/>
+              <a:t> ro18 </a:t>
+            </a:r>
+            <a:r>
+              <a:rPr lang="en-US" dirty="0" err="1"/>
+              <a:t>gff</a:t>
+            </a:r>
+            <a:r>
+              <a:rPr lang="en-US" dirty="0"/>
+              <a:t> file download;</a:t>
+            </a:r>
+          </a:p>
+          <a:p>
+            <a:r>
+              <a:rPr lang="en-US" dirty="0">
+                <a:hlinkClick r:id="rId4"/>
+              </a:rPr>
+              <a:t>https://drive.google.com/file/d/1Fz_2oSsJFD31Tpzz7bot-Z5y9tmH-VsJ/view?usp=sharing</a:t>
+            </a:r>
+            <a:endParaRPr lang="en-US" dirty="0"/>
+          </a:p>
+        </p:txBody>
+      </p:sp>
     </p:spTree>
     <p:extLst>
       <p:ext uri="{BB962C8B-B14F-4D97-AF65-F5344CB8AC3E}">
